--- a/USPSA/Ghoulish Guillotine.pptx
+++ b/USPSA/Ghoulish Guillotine.pptx
@@ -167,12 +167,6 @@
 <file path=ppt/changesInfos/changesInfo1.xml><?xml version="1.0" encoding="utf-8"?>
 <pc:chgInfo xmlns:a="http://schemas.openxmlformats.org/drawingml/2006/main" xmlns:r="http://schemas.openxmlformats.org/officeDocument/2006/relationships" xmlns:ac="http://schemas.microsoft.com/office/drawing/2013/main/command" xmlns:pc="http://schemas.microsoft.com/office/powerpoint/2013/main/command">
   <pc:docChgLst>
-    <pc:chgData name="Matt Carlson" userId="0e792f37f00095d9" providerId="LiveId" clId="{ADC04171-2E60-415A-B144-AE71CCE79B99}"/>
-  </pc:docChgLst>
-  <pc:docChgLst>
-    <pc:chgData name="Matt Carlson" userId="0e792f37f00095d9" providerId="LiveId" clId="{24F81EB6-D86B-4A48-A72E-1A2FF2749931}"/>
-  </pc:docChgLst>
-  <pc:docChgLst>
     <pc:chgData name="Matt Carlson" userId="0e792f37f00095d9" providerId="LiveId" clId="{DE0FE43E-B483-4C5D-89B2-03044570CB51}"/>
     <pc:docChg chg="undo modSld">
       <pc:chgData name="Matt Carlson" userId="0e792f37f00095d9" providerId="LiveId" clId="{DE0FE43E-B483-4C5D-89B2-03044570CB51}" dt="2019-04-27T05:17:31.891" v="3"/>
@@ -259,6 +253,12 @@
         </pc:cxnChg>
       </pc:sldChg>
     </pc:docChg>
+  </pc:docChgLst>
+  <pc:docChgLst>
+    <pc:chgData name="Matt Carlson" userId="0e792f37f00095d9" providerId="LiveId" clId="{ADC04171-2E60-415A-B144-AE71CCE79B99}"/>
+  </pc:docChgLst>
+  <pc:docChgLst>
+    <pc:chgData name="Matt Carlson" userId="0e792f37f00095d9" providerId="LiveId" clId="{24F81EB6-D86B-4A48-A72E-1A2FF2749931}"/>
   </pc:docChgLst>
 </pc:chgInfo>
 </file>
@@ -365,7 +365,7 @@
               <a:pPr>
                 <a:defRPr/>
               </a:pPr>
-              <a:t>4/26/2019</a:t>
+              <a:t>21.02.2020</a:t>
             </a:fld>
             <a:endParaRPr lang="en-US"/>
           </a:p>
@@ -20125,1878 +20125,6 @@
           </a:p>
         </p:txBody>
       </p:sp>
-      <p:grpSp>
-        <p:nvGrpSpPr>
-          <p:cNvPr id="152" name="Group 29">
-            <a:extLst>
-              <a:ext uri="{FF2B5EF4-FFF2-40B4-BE49-F238E27FC236}">
-                <a16:creationId xmlns:a16="http://schemas.microsoft.com/office/drawing/2014/main" id="{4190E6C2-B77D-4827-B62C-02858485DF3A}"/>
-              </a:ext>
-            </a:extLst>
-          </p:cNvPr>
-          <p:cNvGrpSpPr>
-            <a:grpSpLocks/>
-          </p:cNvGrpSpPr>
-          <p:nvPr/>
-        </p:nvGrpSpPr>
-        <p:grpSpPr bwMode="auto">
-          <a:xfrm>
-            <a:off x="3044541" y="3978530"/>
-            <a:ext cx="287338" cy="790575"/>
-            <a:chOff x="528" y="240"/>
-            <a:chExt cx="181" cy="498"/>
-          </a:xfrm>
-        </p:grpSpPr>
-        <p:sp>
-          <p:nvSpPr>
-            <p:cNvPr id="153" name="Line 30">
-              <a:extLst>
-                <a:ext uri="{FF2B5EF4-FFF2-40B4-BE49-F238E27FC236}">
-                  <a16:creationId xmlns:a16="http://schemas.microsoft.com/office/drawing/2014/main" id="{1A816406-C2E1-4755-9469-615379EC7000}"/>
-                </a:ext>
-              </a:extLst>
-            </p:cNvPr>
-            <p:cNvSpPr>
-              <a:spLocks noChangeShapeType="1"/>
-            </p:cNvSpPr>
-            <p:nvPr/>
-          </p:nvSpPr>
-          <p:spPr bwMode="auto">
-            <a:xfrm>
-              <a:off x="535" y="485"/>
-              <a:ext cx="0" cy="253"/>
-            </a:xfrm>
-            <a:prstGeom prst="line">
-              <a:avLst/>
-            </a:prstGeom>
-            <a:noFill/>
-            <a:ln w="28575">
-              <a:solidFill>
-                <a:schemeClr val="tx1"/>
-              </a:solidFill>
-              <a:round/>
-              <a:headEnd/>
-              <a:tailEnd/>
-            </a:ln>
-            <a:extLst>
-              <a:ext uri="{909E8E84-426E-40DD-AFC4-6F175D3DCCD1}">
-                <a14:hiddenFill xmlns:a14="http://schemas.microsoft.com/office/drawing/2010/main">
-                  <a:noFill/>
-                </a14:hiddenFill>
-              </a:ext>
-            </a:extLst>
-          </p:spPr>
-          <p:txBody>
-            <a:bodyPr wrap="none" anchor="ctr"/>
-            <a:lstStyle/>
-            <a:p>
-              <a:endParaRPr lang="en-US"/>
-            </a:p>
-          </p:txBody>
-        </p:sp>
-        <p:sp>
-          <p:nvSpPr>
-            <p:cNvPr id="154" name="Line 31">
-              <a:extLst>
-                <a:ext uri="{FF2B5EF4-FFF2-40B4-BE49-F238E27FC236}">
-                  <a16:creationId xmlns:a16="http://schemas.microsoft.com/office/drawing/2014/main" id="{87F4D79B-1090-4492-88D3-ECBEED4BD001}"/>
-                </a:ext>
-              </a:extLst>
-            </p:cNvPr>
-            <p:cNvSpPr>
-              <a:spLocks noChangeShapeType="1"/>
-            </p:cNvSpPr>
-            <p:nvPr/>
-          </p:nvSpPr>
-          <p:spPr bwMode="auto">
-            <a:xfrm>
-              <a:off x="701" y="485"/>
-              <a:ext cx="0" cy="253"/>
-            </a:xfrm>
-            <a:prstGeom prst="line">
-              <a:avLst/>
-            </a:prstGeom>
-            <a:noFill/>
-            <a:ln w="28575">
-              <a:solidFill>
-                <a:schemeClr val="tx1"/>
-              </a:solidFill>
-              <a:round/>
-              <a:headEnd/>
-              <a:tailEnd/>
-            </a:ln>
-            <a:extLst>
-              <a:ext uri="{909E8E84-426E-40DD-AFC4-6F175D3DCCD1}">
-                <a14:hiddenFill xmlns:a14="http://schemas.microsoft.com/office/drawing/2010/main">
-                  <a:noFill/>
-                </a14:hiddenFill>
-              </a:ext>
-            </a:extLst>
-          </p:spPr>
-          <p:txBody>
-            <a:bodyPr wrap="none" anchor="ctr"/>
-            <a:lstStyle/>
-            <a:p>
-              <a:endParaRPr lang="en-US"/>
-            </a:p>
-          </p:txBody>
-        </p:sp>
-        <p:sp>
-          <p:nvSpPr>
-            <p:cNvPr id="155" name="Freeform 32">
-              <a:extLst>
-                <a:ext uri="{FF2B5EF4-FFF2-40B4-BE49-F238E27FC236}">
-                  <a16:creationId xmlns:a16="http://schemas.microsoft.com/office/drawing/2014/main" id="{6E97238E-252D-4875-9D55-4EB26C73DC7E}"/>
-                </a:ext>
-              </a:extLst>
-            </p:cNvPr>
-            <p:cNvSpPr>
-              <a:spLocks/>
-            </p:cNvSpPr>
-            <p:nvPr/>
-          </p:nvSpPr>
-          <p:spPr bwMode="auto">
-            <a:xfrm>
-              <a:off x="528" y="240"/>
-              <a:ext cx="181" cy="332"/>
-            </a:xfrm>
-            <a:custGeom>
-              <a:avLst/>
-              <a:gdLst>
-                <a:gd name="T0" fmla="*/ 1 w 277"/>
-                <a:gd name="T1" fmla="*/ 0 h 517"/>
-                <a:gd name="T2" fmla="*/ 1 w 277"/>
-                <a:gd name="T3" fmla="*/ 0 h 517"/>
-                <a:gd name="T4" fmla="*/ 1 w 277"/>
-                <a:gd name="T5" fmla="*/ 1 h 517"/>
-                <a:gd name="T6" fmla="*/ 1 w 277"/>
-                <a:gd name="T7" fmla="*/ 1 h 517"/>
-                <a:gd name="T8" fmla="*/ 1 w 277"/>
-                <a:gd name="T9" fmla="*/ 1 h 517"/>
-                <a:gd name="T10" fmla="*/ 1 w 277"/>
-                <a:gd name="T11" fmla="*/ 1 h 517"/>
-                <a:gd name="T12" fmla="*/ 1 w 277"/>
-                <a:gd name="T13" fmla="*/ 1 h 517"/>
-                <a:gd name="T14" fmla="*/ 1 w 277"/>
-                <a:gd name="T15" fmla="*/ 1 h 517"/>
-                <a:gd name="T16" fmla="*/ 0 w 277"/>
-                <a:gd name="T17" fmla="*/ 1 h 517"/>
-                <a:gd name="T18" fmla="*/ 0 w 277"/>
-                <a:gd name="T19" fmla="*/ 1 h 517"/>
-                <a:gd name="T20" fmla="*/ 1 w 277"/>
-                <a:gd name="T21" fmla="*/ 1 h 517"/>
-                <a:gd name="T22" fmla="*/ 1 w 277"/>
-                <a:gd name="T23" fmla="*/ 1 h 517"/>
-                <a:gd name="T24" fmla="*/ 1 w 277"/>
-                <a:gd name="T25" fmla="*/ 0 h 517"/>
-                <a:gd name="T26" fmla="*/ 0 60000 65536"/>
-                <a:gd name="T27" fmla="*/ 0 60000 65536"/>
-                <a:gd name="T28" fmla="*/ 0 60000 65536"/>
-                <a:gd name="T29" fmla="*/ 0 60000 65536"/>
-                <a:gd name="T30" fmla="*/ 0 60000 65536"/>
-                <a:gd name="T31" fmla="*/ 0 60000 65536"/>
-                <a:gd name="T32" fmla="*/ 0 60000 65536"/>
-                <a:gd name="T33" fmla="*/ 0 60000 65536"/>
-                <a:gd name="T34" fmla="*/ 0 60000 65536"/>
-                <a:gd name="T35" fmla="*/ 0 60000 65536"/>
-                <a:gd name="T36" fmla="*/ 0 60000 65536"/>
-                <a:gd name="T37" fmla="*/ 0 60000 65536"/>
-                <a:gd name="T38" fmla="*/ 0 60000 65536"/>
-                <a:gd name="T39" fmla="*/ 0 w 277"/>
-                <a:gd name="T40" fmla="*/ 0 h 517"/>
-                <a:gd name="T41" fmla="*/ 277 w 277"/>
-                <a:gd name="T42" fmla="*/ 517 h 517"/>
-              </a:gdLst>
-              <a:ahLst/>
-              <a:cxnLst>
-                <a:cxn ang="T26">
-                  <a:pos x="T0" y="T1"/>
-                </a:cxn>
-                <a:cxn ang="T27">
-                  <a:pos x="T2" y="T3"/>
-                </a:cxn>
-                <a:cxn ang="T28">
-                  <a:pos x="T4" y="T5"/>
-                </a:cxn>
-                <a:cxn ang="T29">
-                  <a:pos x="T6" y="T7"/>
-                </a:cxn>
-                <a:cxn ang="T30">
-                  <a:pos x="T8" y="T9"/>
-                </a:cxn>
-                <a:cxn ang="T31">
-                  <a:pos x="T10" y="T11"/>
-                </a:cxn>
-                <a:cxn ang="T32">
-                  <a:pos x="T12" y="T13"/>
-                </a:cxn>
-                <a:cxn ang="T33">
-                  <a:pos x="T14" y="T15"/>
-                </a:cxn>
-                <a:cxn ang="T34">
-                  <a:pos x="T16" y="T17"/>
-                </a:cxn>
-                <a:cxn ang="T35">
-                  <a:pos x="T18" y="T19"/>
-                </a:cxn>
-                <a:cxn ang="T36">
-                  <a:pos x="T20" y="T21"/>
-                </a:cxn>
-                <a:cxn ang="T37">
-                  <a:pos x="T22" y="T23"/>
-                </a:cxn>
-                <a:cxn ang="T38">
-                  <a:pos x="T24" y="T25"/>
-                </a:cxn>
-              </a:cxnLst>
-              <a:rect l="T39" t="T40" r="T41" b="T42"/>
-              <a:pathLst>
-                <a:path w="277" h="517">
-                  <a:moveTo>
-                    <a:pt x="89" y="0"/>
-                  </a:moveTo>
-                  <a:lnTo>
-                    <a:pt x="191" y="0"/>
-                  </a:lnTo>
-                  <a:lnTo>
-                    <a:pt x="191" y="105"/>
-                  </a:lnTo>
-                  <a:lnTo>
-                    <a:pt x="225" y="105"/>
-                  </a:lnTo>
-                  <a:lnTo>
-                    <a:pt x="276" y="139"/>
-                  </a:lnTo>
-                  <a:lnTo>
-                    <a:pt x="276" y="415"/>
-                  </a:lnTo>
-                  <a:lnTo>
-                    <a:pt x="225" y="516"/>
-                  </a:lnTo>
-                  <a:lnTo>
-                    <a:pt x="51" y="516"/>
-                  </a:lnTo>
-                  <a:lnTo>
-                    <a:pt x="0" y="415"/>
-                  </a:lnTo>
-                  <a:lnTo>
-                    <a:pt x="0" y="139"/>
-                  </a:lnTo>
-                  <a:lnTo>
-                    <a:pt x="51" y="105"/>
-                  </a:lnTo>
-                  <a:lnTo>
-                    <a:pt x="89" y="105"/>
-                  </a:lnTo>
-                  <a:lnTo>
-                    <a:pt x="89" y="0"/>
-                  </a:lnTo>
-                </a:path>
-              </a:pathLst>
-            </a:custGeom>
-            <a:solidFill>
-              <a:srgbClr val="FFCC99"/>
-            </a:solidFill>
-            <a:ln w="12700" cap="rnd">
-              <a:solidFill>
-                <a:schemeClr val="tx1"/>
-              </a:solidFill>
-              <a:round/>
-              <a:headEnd/>
-              <a:tailEnd/>
-            </a:ln>
-          </p:spPr>
-          <p:txBody>
-            <a:bodyPr/>
-            <a:lstStyle/>
-            <a:p>
-              <a:endParaRPr lang="en-US"/>
-            </a:p>
-          </p:txBody>
-        </p:sp>
-      </p:grpSp>
-      <p:grpSp>
-        <p:nvGrpSpPr>
-          <p:cNvPr id="156" name="Group 29">
-            <a:extLst>
-              <a:ext uri="{FF2B5EF4-FFF2-40B4-BE49-F238E27FC236}">
-                <a16:creationId xmlns:a16="http://schemas.microsoft.com/office/drawing/2014/main" id="{FADABE9E-98AA-41AA-B8FB-BD893AAE6C26}"/>
-              </a:ext>
-            </a:extLst>
-          </p:cNvPr>
-          <p:cNvGrpSpPr>
-            <a:grpSpLocks/>
-          </p:cNvGrpSpPr>
-          <p:nvPr/>
-        </p:nvGrpSpPr>
-        <p:grpSpPr bwMode="auto">
-          <a:xfrm>
-            <a:off x="3382571" y="3978530"/>
-            <a:ext cx="287338" cy="790575"/>
-            <a:chOff x="528" y="240"/>
-            <a:chExt cx="181" cy="498"/>
-          </a:xfrm>
-        </p:grpSpPr>
-        <p:sp>
-          <p:nvSpPr>
-            <p:cNvPr id="157" name="Line 30">
-              <a:extLst>
-                <a:ext uri="{FF2B5EF4-FFF2-40B4-BE49-F238E27FC236}">
-                  <a16:creationId xmlns:a16="http://schemas.microsoft.com/office/drawing/2014/main" id="{DAE8A741-B915-4203-B0FD-2F08BDAFF935}"/>
-                </a:ext>
-              </a:extLst>
-            </p:cNvPr>
-            <p:cNvSpPr>
-              <a:spLocks noChangeShapeType="1"/>
-            </p:cNvSpPr>
-            <p:nvPr/>
-          </p:nvSpPr>
-          <p:spPr bwMode="auto">
-            <a:xfrm>
-              <a:off x="535" y="485"/>
-              <a:ext cx="0" cy="253"/>
-            </a:xfrm>
-            <a:prstGeom prst="line">
-              <a:avLst/>
-            </a:prstGeom>
-            <a:noFill/>
-            <a:ln w="28575">
-              <a:solidFill>
-                <a:schemeClr val="tx1"/>
-              </a:solidFill>
-              <a:round/>
-              <a:headEnd/>
-              <a:tailEnd/>
-            </a:ln>
-            <a:extLst>
-              <a:ext uri="{909E8E84-426E-40DD-AFC4-6F175D3DCCD1}">
-                <a14:hiddenFill xmlns:a14="http://schemas.microsoft.com/office/drawing/2010/main">
-                  <a:noFill/>
-                </a14:hiddenFill>
-              </a:ext>
-            </a:extLst>
-          </p:spPr>
-          <p:txBody>
-            <a:bodyPr wrap="none" anchor="ctr"/>
-            <a:lstStyle/>
-            <a:p>
-              <a:endParaRPr lang="en-US"/>
-            </a:p>
-          </p:txBody>
-        </p:sp>
-        <p:sp>
-          <p:nvSpPr>
-            <p:cNvPr id="158" name="Line 31">
-              <a:extLst>
-                <a:ext uri="{FF2B5EF4-FFF2-40B4-BE49-F238E27FC236}">
-                  <a16:creationId xmlns:a16="http://schemas.microsoft.com/office/drawing/2014/main" id="{33940A4B-BF0F-424A-835B-AAA9C2A49592}"/>
-                </a:ext>
-              </a:extLst>
-            </p:cNvPr>
-            <p:cNvSpPr>
-              <a:spLocks noChangeShapeType="1"/>
-            </p:cNvSpPr>
-            <p:nvPr/>
-          </p:nvSpPr>
-          <p:spPr bwMode="auto">
-            <a:xfrm>
-              <a:off x="701" y="485"/>
-              <a:ext cx="0" cy="253"/>
-            </a:xfrm>
-            <a:prstGeom prst="line">
-              <a:avLst/>
-            </a:prstGeom>
-            <a:noFill/>
-            <a:ln w="28575">
-              <a:solidFill>
-                <a:schemeClr val="tx1"/>
-              </a:solidFill>
-              <a:round/>
-              <a:headEnd/>
-              <a:tailEnd/>
-            </a:ln>
-            <a:extLst>
-              <a:ext uri="{909E8E84-426E-40DD-AFC4-6F175D3DCCD1}">
-                <a14:hiddenFill xmlns:a14="http://schemas.microsoft.com/office/drawing/2010/main">
-                  <a:noFill/>
-                </a14:hiddenFill>
-              </a:ext>
-            </a:extLst>
-          </p:spPr>
-          <p:txBody>
-            <a:bodyPr wrap="none" anchor="ctr"/>
-            <a:lstStyle/>
-            <a:p>
-              <a:endParaRPr lang="en-US"/>
-            </a:p>
-          </p:txBody>
-        </p:sp>
-        <p:sp>
-          <p:nvSpPr>
-            <p:cNvPr id="159" name="Freeform 32">
-              <a:extLst>
-                <a:ext uri="{FF2B5EF4-FFF2-40B4-BE49-F238E27FC236}">
-                  <a16:creationId xmlns:a16="http://schemas.microsoft.com/office/drawing/2014/main" id="{8B89C0B6-3537-403C-A4CD-1C9EAB0C3FC6}"/>
-                </a:ext>
-              </a:extLst>
-            </p:cNvPr>
-            <p:cNvSpPr>
-              <a:spLocks/>
-            </p:cNvSpPr>
-            <p:nvPr/>
-          </p:nvSpPr>
-          <p:spPr bwMode="auto">
-            <a:xfrm>
-              <a:off x="528" y="240"/>
-              <a:ext cx="181" cy="332"/>
-            </a:xfrm>
-            <a:custGeom>
-              <a:avLst/>
-              <a:gdLst>
-                <a:gd name="T0" fmla="*/ 1 w 277"/>
-                <a:gd name="T1" fmla="*/ 0 h 517"/>
-                <a:gd name="T2" fmla="*/ 1 w 277"/>
-                <a:gd name="T3" fmla="*/ 0 h 517"/>
-                <a:gd name="T4" fmla="*/ 1 w 277"/>
-                <a:gd name="T5" fmla="*/ 1 h 517"/>
-                <a:gd name="T6" fmla="*/ 1 w 277"/>
-                <a:gd name="T7" fmla="*/ 1 h 517"/>
-                <a:gd name="T8" fmla="*/ 1 w 277"/>
-                <a:gd name="T9" fmla="*/ 1 h 517"/>
-                <a:gd name="T10" fmla="*/ 1 w 277"/>
-                <a:gd name="T11" fmla="*/ 1 h 517"/>
-                <a:gd name="T12" fmla="*/ 1 w 277"/>
-                <a:gd name="T13" fmla="*/ 1 h 517"/>
-                <a:gd name="T14" fmla="*/ 1 w 277"/>
-                <a:gd name="T15" fmla="*/ 1 h 517"/>
-                <a:gd name="T16" fmla="*/ 0 w 277"/>
-                <a:gd name="T17" fmla="*/ 1 h 517"/>
-                <a:gd name="T18" fmla="*/ 0 w 277"/>
-                <a:gd name="T19" fmla="*/ 1 h 517"/>
-                <a:gd name="T20" fmla="*/ 1 w 277"/>
-                <a:gd name="T21" fmla="*/ 1 h 517"/>
-                <a:gd name="T22" fmla="*/ 1 w 277"/>
-                <a:gd name="T23" fmla="*/ 1 h 517"/>
-                <a:gd name="T24" fmla="*/ 1 w 277"/>
-                <a:gd name="T25" fmla="*/ 0 h 517"/>
-                <a:gd name="T26" fmla="*/ 0 60000 65536"/>
-                <a:gd name="T27" fmla="*/ 0 60000 65536"/>
-                <a:gd name="T28" fmla="*/ 0 60000 65536"/>
-                <a:gd name="T29" fmla="*/ 0 60000 65536"/>
-                <a:gd name="T30" fmla="*/ 0 60000 65536"/>
-                <a:gd name="T31" fmla="*/ 0 60000 65536"/>
-                <a:gd name="T32" fmla="*/ 0 60000 65536"/>
-                <a:gd name="T33" fmla="*/ 0 60000 65536"/>
-                <a:gd name="T34" fmla="*/ 0 60000 65536"/>
-                <a:gd name="T35" fmla="*/ 0 60000 65536"/>
-                <a:gd name="T36" fmla="*/ 0 60000 65536"/>
-                <a:gd name="T37" fmla="*/ 0 60000 65536"/>
-                <a:gd name="T38" fmla="*/ 0 60000 65536"/>
-                <a:gd name="T39" fmla="*/ 0 w 277"/>
-                <a:gd name="T40" fmla="*/ 0 h 517"/>
-                <a:gd name="T41" fmla="*/ 277 w 277"/>
-                <a:gd name="T42" fmla="*/ 517 h 517"/>
-              </a:gdLst>
-              <a:ahLst/>
-              <a:cxnLst>
-                <a:cxn ang="T26">
-                  <a:pos x="T0" y="T1"/>
-                </a:cxn>
-                <a:cxn ang="T27">
-                  <a:pos x="T2" y="T3"/>
-                </a:cxn>
-                <a:cxn ang="T28">
-                  <a:pos x="T4" y="T5"/>
-                </a:cxn>
-                <a:cxn ang="T29">
-                  <a:pos x="T6" y="T7"/>
-                </a:cxn>
-                <a:cxn ang="T30">
-                  <a:pos x="T8" y="T9"/>
-                </a:cxn>
-                <a:cxn ang="T31">
-                  <a:pos x="T10" y="T11"/>
-                </a:cxn>
-                <a:cxn ang="T32">
-                  <a:pos x="T12" y="T13"/>
-                </a:cxn>
-                <a:cxn ang="T33">
-                  <a:pos x="T14" y="T15"/>
-                </a:cxn>
-                <a:cxn ang="T34">
-                  <a:pos x="T16" y="T17"/>
-                </a:cxn>
-                <a:cxn ang="T35">
-                  <a:pos x="T18" y="T19"/>
-                </a:cxn>
-                <a:cxn ang="T36">
-                  <a:pos x="T20" y="T21"/>
-                </a:cxn>
-                <a:cxn ang="T37">
-                  <a:pos x="T22" y="T23"/>
-                </a:cxn>
-                <a:cxn ang="T38">
-                  <a:pos x="T24" y="T25"/>
-                </a:cxn>
-              </a:cxnLst>
-              <a:rect l="T39" t="T40" r="T41" b="T42"/>
-              <a:pathLst>
-                <a:path w="277" h="517">
-                  <a:moveTo>
-                    <a:pt x="89" y="0"/>
-                  </a:moveTo>
-                  <a:lnTo>
-                    <a:pt x="191" y="0"/>
-                  </a:lnTo>
-                  <a:lnTo>
-                    <a:pt x="191" y="105"/>
-                  </a:lnTo>
-                  <a:lnTo>
-                    <a:pt x="225" y="105"/>
-                  </a:lnTo>
-                  <a:lnTo>
-                    <a:pt x="276" y="139"/>
-                  </a:lnTo>
-                  <a:lnTo>
-                    <a:pt x="276" y="415"/>
-                  </a:lnTo>
-                  <a:lnTo>
-                    <a:pt x="225" y="516"/>
-                  </a:lnTo>
-                  <a:lnTo>
-                    <a:pt x="51" y="516"/>
-                  </a:lnTo>
-                  <a:lnTo>
-                    <a:pt x="0" y="415"/>
-                  </a:lnTo>
-                  <a:lnTo>
-                    <a:pt x="0" y="139"/>
-                  </a:lnTo>
-                  <a:lnTo>
-                    <a:pt x="51" y="105"/>
-                  </a:lnTo>
-                  <a:lnTo>
-                    <a:pt x="89" y="105"/>
-                  </a:lnTo>
-                  <a:lnTo>
-                    <a:pt x="89" y="0"/>
-                  </a:lnTo>
-                </a:path>
-              </a:pathLst>
-            </a:custGeom>
-            <a:solidFill>
-              <a:srgbClr val="FFCC99"/>
-            </a:solidFill>
-            <a:ln w="12700" cap="rnd">
-              <a:solidFill>
-                <a:schemeClr val="tx1"/>
-              </a:solidFill>
-              <a:round/>
-              <a:headEnd/>
-              <a:tailEnd/>
-            </a:ln>
-          </p:spPr>
-          <p:txBody>
-            <a:bodyPr/>
-            <a:lstStyle/>
-            <a:p>
-              <a:endParaRPr lang="en-US"/>
-            </a:p>
-          </p:txBody>
-        </p:sp>
-      </p:grpSp>
-      <p:grpSp>
-        <p:nvGrpSpPr>
-          <p:cNvPr id="160" name="Group 29">
-            <a:extLst>
-              <a:ext uri="{FF2B5EF4-FFF2-40B4-BE49-F238E27FC236}">
-                <a16:creationId xmlns:a16="http://schemas.microsoft.com/office/drawing/2014/main" id="{1C818F9E-F8F5-4C0D-A30C-028178B25FD4}"/>
-              </a:ext>
-            </a:extLst>
-          </p:cNvPr>
-          <p:cNvGrpSpPr>
-            <a:grpSpLocks/>
-          </p:cNvGrpSpPr>
-          <p:nvPr/>
-        </p:nvGrpSpPr>
-        <p:grpSpPr bwMode="auto">
-          <a:xfrm>
-            <a:off x="3951999" y="3978530"/>
-            <a:ext cx="287338" cy="790575"/>
-            <a:chOff x="528" y="240"/>
-            <a:chExt cx="181" cy="498"/>
-          </a:xfrm>
-        </p:grpSpPr>
-        <p:sp>
-          <p:nvSpPr>
-            <p:cNvPr id="161" name="Line 30">
-              <a:extLst>
-                <a:ext uri="{FF2B5EF4-FFF2-40B4-BE49-F238E27FC236}">
-                  <a16:creationId xmlns:a16="http://schemas.microsoft.com/office/drawing/2014/main" id="{59A9E5D4-CA1E-434B-92C2-C3405346D942}"/>
-                </a:ext>
-              </a:extLst>
-            </p:cNvPr>
-            <p:cNvSpPr>
-              <a:spLocks noChangeShapeType="1"/>
-            </p:cNvSpPr>
-            <p:nvPr/>
-          </p:nvSpPr>
-          <p:spPr bwMode="auto">
-            <a:xfrm>
-              <a:off x="535" y="485"/>
-              <a:ext cx="0" cy="253"/>
-            </a:xfrm>
-            <a:prstGeom prst="line">
-              <a:avLst/>
-            </a:prstGeom>
-            <a:noFill/>
-            <a:ln w="28575">
-              <a:solidFill>
-                <a:schemeClr val="tx1"/>
-              </a:solidFill>
-              <a:round/>
-              <a:headEnd/>
-              <a:tailEnd/>
-            </a:ln>
-            <a:extLst>
-              <a:ext uri="{909E8E84-426E-40DD-AFC4-6F175D3DCCD1}">
-                <a14:hiddenFill xmlns:a14="http://schemas.microsoft.com/office/drawing/2010/main">
-                  <a:noFill/>
-                </a14:hiddenFill>
-              </a:ext>
-            </a:extLst>
-          </p:spPr>
-          <p:txBody>
-            <a:bodyPr wrap="none" anchor="ctr"/>
-            <a:lstStyle/>
-            <a:p>
-              <a:endParaRPr lang="en-US"/>
-            </a:p>
-          </p:txBody>
-        </p:sp>
-        <p:sp>
-          <p:nvSpPr>
-            <p:cNvPr id="162" name="Line 31">
-              <a:extLst>
-                <a:ext uri="{FF2B5EF4-FFF2-40B4-BE49-F238E27FC236}">
-                  <a16:creationId xmlns:a16="http://schemas.microsoft.com/office/drawing/2014/main" id="{922755FE-522B-40F3-8550-C7810F512A38}"/>
-                </a:ext>
-              </a:extLst>
-            </p:cNvPr>
-            <p:cNvSpPr>
-              <a:spLocks noChangeShapeType="1"/>
-            </p:cNvSpPr>
-            <p:nvPr/>
-          </p:nvSpPr>
-          <p:spPr bwMode="auto">
-            <a:xfrm>
-              <a:off x="701" y="485"/>
-              <a:ext cx="0" cy="253"/>
-            </a:xfrm>
-            <a:prstGeom prst="line">
-              <a:avLst/>
-            </a:prstGeom>
-            <a:noFill/>
-            <a:ln w="28575">
-              <a:solidFill>
-                <a:schemeClr val="tx1"/>
-              </a:solidFill>
-              <a:round/>
-              <a:headEnd/>
-              <a:tailEnd/>
-            </a:ln>
-            <a:extLst>
-              <a:ext uri="{909E8E84-426E-40DD-AFC4-6F175D3DCCD1}">
-                <a14:hiddenFill xmlns:a14="http://schemas.microsoft.com/office/drawing/2010/main">
-                  <a:noFill/>
-                </a14:hiddenFill>
-              </a:ext>
-            </a:extLst>
-          </p:spPr>
-          <p:txBody>
-            <a:bodyPr wrap="none" anchor="ctr"/>
-            <a:lstStyle/>
-            <a:p>
-              <a:endParaRPr lang="en-US"/>
-            </a:p>
-          </p:txBody>
-        </p:sp>
-        <p:sp>
-          <p:nvSpPr>
-            <p:cNvPr id="163" name="Freeform 32">
-              <a:extLst>
-                <a:ext uri="{FF2B5EF4-FFF2-40B4-BE49-F238E27FC236}">
-                  <a16:creationId xmlns:a16="http://schemas.microsoft.com/office/drawing/2014/main" id="{AAA5D88E-5A5D-47E5-9444-85E8C4AF0115}"/>
-                </a:ext>
-              </a:extLst>
-            </p:cNvPr>
-            <p:cNvSpPr>
-              <a:spLocks/>
-            </p:cNvSpPr>
-            <p:nvPr/>
-          </p:nvSpPr>
-          <p:spPr bwMode="auto">
-            <a:xfrm>
-              <a:off x="528" y="240"/>
-              <a:ext cx="181" cy="332"/>
-            </a:xfrm>
-            <a:custGeom>
-              <a:avLst/>
-              <a:gdLst>
-                <a:gd name="T0" fmla="*/ 1 w 277"/>
-                <a:gd name="T1" fmla="*/ 0 h 517"/>
-                <a:gd name="T2" fmla="*/ 1 w 277"/>
-                <a:gd name="T3" fmla="*/ 0 h 517"/>
-                <a:gd name="T4" fmla="*/ 1 w 277"/>
-                <a:gd name="T5" fmla="*/ 1 h 517"/>
-                <a:gd name="T6" fmla="*/ 1 w 277"/>
-                <a:gd name="T7" fmla="*/ 1 h 517"/>
-                <a:gd name="T8" fmla="*/ 1 w 277"/>
-                <a:gd name="T9" fmla="*/ 1 h 517"/>
-                <a:gd name="T10" fmla="*/ 1 w 277"/>
-                <a:gd name="T11" fmla="*/ 1 h 517"/>
-                <a:gd name="T12" fmla="*/ 1 w 277"/>
-                <a:gd name="T13" fmla="*/ 1 h 517"/>
-                <a:gd name="T14" fmla="*/ 1 w 277"/>
-                <a:gd name="T15" fmla="*/ 1 h 517"/>
-                <a:gd name="T16" fmla="*/ 0 w 277"/>
-                <a:gd name="T17" fmla="*/ 1 h 517"/>
-                <a:gd name="T18" fmla="*/ 0 w 277"/>
-                <a:gd name="T19" fmla="*/ 1 h 517"/>
-                <a:gd name="T20" fmla="*/ 1 w 277"/>
-                <a:gd name="T21" fmla="*/ 1 h 517"/>
-                <a:gd name="T22" fmla="*/ 1 w 277"/>
-                <a:gd name="T23" fmla="*/ 1 h 517"/>
-                <a:gd name="T24" fmla="*/ 1 w 277"/>
-                <a:gd name="T25" fmla="*/ 0 h 517"/>
-                <a:gd name="T26" fmla="*/ 0 60000 65536"/>
-                <a:gd name="T27" fmla="*/ 0 60000 65536"/>
-                <a:gd name="T28" fmla="*/ 0 60000 65536"/>
-                <a:gd name="T29" fmla="*/ 0 60000 65536"/>
-                <a:gd name="T30" fmla="*/ 0 60000 65536"/>
-                <a:gd name="T31" fmla="*/ 0 60000 65536"/>
-                <a:gd name="T32" fmla="*/ 0 60000 65536"/>
-                <a:gd name="T33" fmla="*/ 0 60000 65536"/>
-                <a:gd name="T34" fmla="*/ 0 60000 65536"/>
-                <a:gd name="T35" fmla="*/ 0 60000 65536"/>
-                <a:gd name="T36" fmla="*/ 0 60000 65536"/>
-                <a:gd name="T37" fmla="*/ 0 60000 65536"/>
-                <a:gd name="T38" fmla="*/ 0 60000 65536"/>
-                <a:gd name="T39" fmla="*/ 0 w 277"/>
-                <a:gd name="T40" fmla="*/ 0 h 517"/>
-                <a:gd name="T41" fmla="*/ 277 w 277"/>
-                <a:gd name="T42" fmla="*/ 517 h 517"/>
-              </a:gdLst>
-              <a:ahLst/>
-              <a:cxnLst>
-                <a:cxn ang="T26">
-                  <a:pos x="T0" y="T1"/>
-                </a:cxn>
-                <a:cxn ang="T27">
-                  <a:pos x="T2" y="T3"/>
-                </a:cxn>
-                <a:cxn ang="T28">
-                  <a:pos x="T4" y="T5"/>
-                </a:cxn>
-                <a:cxn ang="T29">
-                  <a:pos x="T6" y="T7"/>
-                </a:cxn>
-                <a:cxn ang="T30">
-                  <a:pos x="T8" y="T9"/>
-                </a:cxn>
-                <a:cxn ang="T31">
-                  <a:pos x="T10" y="T11"/>
-                </a:cxn>
-                <a:cxn ang="T32">
-                  <a:pos x="T12" y="T13"/>
-                </a:cxn>
-                <a:cxn ang="T33">
-                  <a:pos x="T14" y="T15"/>
-                </a:cxn>
-                <a:cxn ang="T34">
-                  <a:pos x="T16" y="T17"/>
-                </a:cxn>
-                <a:cxn ang="T35">
-                  <a:pos x="T18" y="T19"/>
-                </a:cxn>
-                <a:cxn ang="T36">
-                  <a:pos x="T20" y="T21"/>
-                </a:cxn>
-                <a:cxn ang="T37">
-                  <a:pos x="T22" y="T23"/>
-                </a:cxn>
-                <a:cxn ang="T38">
-                  <a:pos x="T24" y="T25"/>
-                </a:cxn>
-              </a:cxnLst>
-              <a:rect l="T39" t="T40" r="T41" b="T42"/>
-              <a:pathLst>
-                <a:path w="277" h="517">
-                  <a:moveTo>
-                    <a:pt x="89" y="0"/>
-                  </a:moveTo>
-                  <a:lnTo>
-                    <a:pt x="191" y="0"/>
-                  </a:lnTo>
-                  <a:lnTo>
-                    <a:pt x="191" y="105"/>
-                  </a:lnTo>
-                  <a:lnTo>
-                    <a:pt x="225" y="105"/>
-                  </a:lnTo>
-                  <a:lnTo>
-                    <a:pt x="276" y="139"/>
-                  </a:lnTo>
-                  <a:lnTo>
-                    <a:pt x="276" y="415"/>
-                  </a:lnTo>
-                  <a:lnTo>
-                    <a:pt x="225" y="516"/>
-                  </a:lnTo>
-                  <a:lnTo>
-                    <a:pt x="51" y="516"/>
-                  </a:lnTo>
-                  <a:lnTo>
-                    <a:pt x="0" y="415"/>
-                  </a:lnTo>
-                  <a:lnTo>
-                    <a:pt x="0" y="139"/>
-                  </a:lnTo>
-                  <a:lnTo>
-                    <a:pt x="51" y="105"/>
-                  </a:lnTo>
-                  <a:lnTo>
-                    <a:pt x="89" y="105"/>
-                  </a:lnTo>
-                  <a:lnTo>
-                    <a:pt x="89" y="0"/>
-                  </a:lnTo>
-                </a:path>
-              </a:pathLst>
-            </a:custGeom>
-            <a:solidFill>
-              <a:srgbClr val="FFCC99"/>
-            </a:solidFill>
-            <a:ln w="12700" cap="rnd">
-              <a:solidFill>
-                <a:schemeClr val="tx1"/>
-              </a:solidFill>
-              <a:round/>
-              <a:headEnd/>
-              <a:tailEnd/>
-            </a:ln>
-          </p:spPr>
-          <p:txBody>
-            <a:bodyPr/>
-            <a:lstStyle/>
-            <a:p>
-              <a:endParaRPr lang="en-US"/>
-            </a:p>
-          </p:txBody>
-        </p:sp>
-      </p:grpSp>
-      <p:grpSp>
-        <p:nvGrpSpPr>
-          <p:cNvPr id="164" name="Group 29">
-            <a:extLst>
-              <a:ext uri="{FF2B5EF4-FFF2-40B4-BE49-F238E27FC236}">
-                <a16:creationId xmlns:a16="http://schemas.microsoft.com/office/drawing/2014/main" id="{9F76C043-FB62-4AEE-AB14-58760406C1B6}"/>
-              </a:ext>
-            </a:extLst>
-          </p:cNvPr>
-          <p:cNvGrpSpPr>
-            <a:grpSpLocks/>
-          </p:cNvGrpSpPr>
-          <p:nvPr/>
-        </p:nvGrpSpPr>
-        <p:grpSpPr bwMode="auto">
-          <a:xfrm>
-            <a:off x="4281772" y="3978530"/>
-            <a:ext cx="287338" cy="790575"/>
-            <a:chOff x="528" y="240"/>
-            <a:chExt cx="181" cy="498"/>
-          </a:xfrm>
-        </p:grpSpPr>
-        <p:sp>
-          <p:nvSpPr>
-            <p:cNvPr id="165" name="Line 30">
-              <a:extLst>
-                <a:ext uri="{FF2B5EF4-FFF2-40B4-BE49-F238E27FC236}">
-                  <a16:creationId xmlns:a16="http://schemas.microsoft.com/office/drawing/2014/main" id="{75E7363C-3F23-4CF5-88B4-C6A18DBF5F9C}"/>
-                </a:ext>
-              </a:extLst>
-            </p:cNvPr>
-            <p:cNvSpPr>
-              <a:spLocks noChangeShapeType="1"/>
-            </p:cNvSpPr>
-            <p:nvPr/>
-          </p:nvSpPr>
-          <p:spPr bwMode="auto">
-            <a:xfrm>
-              <a:off x="535" y="485"/>
-              <a:ext cx="0" cy="253"/>
-            </a:xfrm>
-            <a:prstGeom prst="line">
-              <a:avLst/>
-            </a:prstGeom>
-            <a:noFill/>
-            <a:ln w="28575">
-              <a:solidFill>
-                <a:schemeClr val="tx1"/>
-              </a:solidFill>
-              <a:round/>
-              <a:headEnd/>
-              <a:tailEnd/>
-            </a:ln>
-            <a:extLst>
-              <a:ext uri="{909E8E84-426E-40DD-AFC4-6F175D3DCCD1}">
-                <a14:hiddenFill xmlns:a14="http://schemas.microsoft.com/office/drawing/2010/main">
-                  <a:noFill/>
-                </a14:hiddenFill>
-              </a:ext>
-            </a:extLst>
-          </p:spPr>
-          <p:txBody>
-            <a:bodyPr wrap="none" anchor="ctr"/>
-            <a:lstStyle/>
-            <a:p>
-              <a:endParaRPr lang="en-US"/>
-            </a:p>
-          </p:txBody>
-        </p:sp>
-        <p:sp>
-          <p:nvSpPr>
-            <p:cNvPr id="166" name="Line 31">
-              <a:extLst>
-                <a:ext uri="{FF2B5EF4-FFF2-40B4-BE49-F238E27FC236}">
-                  <a16:creationId xmlns:a16="http://schemas.microsoft.com/office/drawing/2014/main" id="{A74CBCA8-80F8-438C-9AB8-0782EF3CB451}"/>
-                </a:ext>
-              </a:extLst>
-            </p:cNvPr>
-            <p:cNvSpPr>
-              <a:spLocks noChangeShapeType="1"/>
-            </p:cNvSpPr>
-            <p:nvPr/>
-          </p:nvSpPr>
-          <p:spPr bwMode="auto">
-            <a:xfrm>
-              <a:off x="701" y="485"/>
-              <a:ext cx="0" cy="253"/>
-            </a:xfrm>
-            <a:prstGeom prst="line">
-              <a:avLst/>
-            </a:prstGeom>
-            <a:noFill/>
-            <a:ln w="28575">
-              <a:solidFill>
-                <a:schemeClr val="tx1"/>
-              </a:solidFill>
-              <a:round/>
-              <a:headEnd/>
-              <a:tailEnd/>
-            </a:ln>
-            <a:extLst>
-              <a:ext uri="{909E8E84-426E-40DD-AFC4-6F175D3DCCD1}">
-                <a14:hiddenFill xmlns:a14="http://schemas.microsoft.com/office/drawing/2010/main">
-                  <a:noFill/>
-                </a14:hiddenFill>
-              </a:ext>
-            </a:extLst>
-          </p:spPr>
-          <p:txBody>
-            <a:bodyPr wrap="none" anchor="ctr"/>
-            <a:lstStyle/>
-            <a:p>
-              <a:endParaRPr lang="en-US"/>
-            </a:p>
-          </p:txBody>
-        </p:sp>
-        <p:sp>
-          <p:nvSpPr>
-            <p:cNvPr id="167" name="Freeform 32">
-              <a:extLst>
-                <a:ext uri="{FF2B5EF4-FFF2-40B4-BE49-F238E27FC236}">
-                  <a16:creationId xmlns:a16="http://schemas.microsoft.com/office/drawing/2014/main" id="{C2CAEB49-D8DB-4649-BC3A-23151C77356E}"/>
-                </a:ext>
-              </a:extLst>
-            </p:cNvPr>
-            <p:cNvSpPr>
-              <a:spLocks/>
-            </p:cNvSpPr>
-            <p:nvPr/>
-          </p:nvSpPr>
-          <p:spPr bwMode="auto">
-            <a:xfrm>
-              <a:off x="528" y="240"/>
-              <a:ext cx="181" cy="332"/>
-            </a:xfrm>
-            <a:custGeom>
-              <a:avLst/>
-              <a:gdLst>
-                <a:gd name="T0" fmla="*/ 1 w 277"/>
-                <a:gd name="T1" fmla="*/ 0 h 517"/>
-                <a:gd name="T2" fmla="*/ 1 w 277"/>
-                <a:gd name="T3" fmla="*/ 0 h 517"/>
-                <a:gd name="T4" fmla="*/ 1 w 277"/>
-                <a:gd name="T5" fmla="*/ 1 h 517"/>
-                <a:gd name="T6" fmla="*/ 1 w 277"/>
-                <a:gd name="T7" fmla="*/ 1 h 517"/>
-                <a:gd name="T8" fmla="*/ 1 w 277"/>
-                <a:gd name="T9" fmla="*/ 1 h 517"/>
-                <a:gd name="T10" fmla="*/ 1 w 277"/>
-                <a:gd name="T11" fmla="*/ 1 h 517"/>
-                <a:gd name="T12" fmla="*/ 1 w 277"/>
-                <a:gd name="T13" fmla="*/ 1 h 517"/>
-                <a:gd name="T14" fmla="*/ 1 w 277"/>
-                <a:gd name="T15" fmla="*/ 1 h 517"/>
-                <a:gd name="T16" fmla="*/ 0 w 277"/>
-                <a:gd name="T17" fmla="*/ 1 h 517"/>
-                <a:gd name="T18" fmla="*/ 0 w 277"/>
-                <a:gd name="T19" fmla="*/ 1 h 517"/>
-                <a:gd name="T20" fmla="*/ 1 w 277"/>
-                <a:gd name="T21" fmla="*/ 1 h 517"/>
-                <a:gd name="T22" fmla="*/ 1 w 277"/>
-                <a:gd name="T23" fmla="*/ 1 h 517"/>
-                <a:gd name="T24" fmla="*/ 1 w 277"/>
-                <a:gd name="T25" fmla="*/ 0 h 517"/>
-                <a:gd name="T26" fmla="*/ 0 60000 65536"/>
-                <a:gd name="T27" fmla="*/ 0 60000 65536"/>
-                <a:gd name="T28" fmla="*/ 0 60000 65536"/>
-                <a:gd name="T29" fmla="*/ 0 60000 65536"/>
-                <a:gd name="T30" fmla="*/ 0 60000 65536"/>
-                <a:gd name="T31" fmla="*/ 0 60000 65536"/>
-                <a:gd name="T32" fmla="*/ 0 60000 65536"/>
-                <a:gd name="T33" fmla="*/ 0 60000 65536"/>
-                <a:gd name="T34" fmla="*/ 0 60000 65536"/>
-                <a:gd name="T35" fmla="*/ 0 60000 65536"/>
-                <a:gd name="T36" fmla="*/ 0 60000 65536"/>
-                <a:gd name="T37" fmla="*/ 0 60000 65536"/>
-                <a:gd name="T38" fmla="*/ 0 60000 65536"/>
-                <a:gd name="T39" fmla="*/ 0 w 277"/>
-                <a:gd name="T40" fmla="*/ 0 h 517"/>
-                <a:gd name="T41" fmla="*/ 277 w 277"/>
-                <a:gd name="T42" fmla="*/ 517 h 517"/>
-              </a:gdLst>
-              <a:ahLst/>
-              <a:cxnLst>
-                <a:cxn ang="T26">
-                  <a:pos x="T0" y="T1"/>
-                </a:cxn>
-                <a:cxn ang="T27">
-                  <a:pos x="T2" y="T3"/>
-                </a:cxn>
-                <a:cxn ang="T28">
-                  <a:pos x="T4" y="T5"/>
-                </a:cxn>
-                <a:cxn ang="T29">
-                  <a:pos x="T6" y="T7"/>
-                </a:cxn>
-                <a:cxn ang="T30">
-                  <a:pos x="T8" y="T9"/>
-                </a:cxn>
-                <a:cxn ang="T31">
-                  <a:pos x="T10" y="T11"/>
-                </a:cxn>
-                <a:cxn ang="T32">
-                  <a:pos x="T12" y="T13"/>
-                </a:cxn>
-                <a:cxn ang="T33">
-                  <a:pos x="T14" y="T15"/>
-                </a:cxn>
-                <a:cxn ang="T34">
-                  <a:pos x="T16" y="T17"/>
-                </a:cxn>
-                <a:cxn ang="T35">
-                  <a:pos x="T18" y="T19"/>
-                </a:cxn>
-                <a:cxn ang="T36">
-                  <a:pos x="T20" y="T21"/>
-                </a:cxn>
-                <a:cxn ang="T37">
-                  <a:pos x="T22" y="T23"/>
-                </a:cxn>
-                <a:cxn ang="T38">
-                  <a:pos x="T24" y="T25"/>
-                </a:cxn>
-              </a:cxnLst>
-              <a:rect l="T39" t="T40" r="T41" b="T42"/>
-              <a:pathLst>
-                <a:path w="277" h="517">
-                  <a:moveTo>
-                    <a:pt x="89" y="0"/>
-                  </a:moveTo>
-                  <a:lnTo>
-                    <a:pt x="191" y="0"/>
-                  </a:lnTo>
-                  <a:lnTo>
-                    <a:pt x="191" y="105"/>
-                  </a:lnTo>
-                  <a:lnTo>
-                    <a:pt x="225" y="105"/>
-                  </a:lnTo>
-                  <a:lnTo>
-                    <a:pt x="276" y="139"/>
-                  </a:lnTo>
-                  <a:lnTo>
-                    <a:pt x="276" y="415"/>
-                  </a:lnTo>
-                  <a:lnTo>
-                    <a:pt x="225" y="516"/>
-                  </a:lnTo>
-                  <a:lnTo>
-                    <a:pt x="51" y="516"/>
-                  </a:lnTo>
-                  <a:lnTo>
-                    <a:pt x="0" y="415"/>
-                  </a:lnTo>
-                  <a:lnTo>
-                    <a:pt x="0" y="139"/>
-                  </a:lnTo>
-                  <a:lnTo>
-                    <a:pt x="51" y="105"/>
-                  </a:lnTo>
-                  <a:lnTo>
-                    <a:pt x="89" y="105"/>
-                  </a:lnTo>
-                  <a:lnTo>
-                    <a:pt x="89" y="0"/>
-                  </a:lnTo>
-                </a:path>
-              </a:pathLst>
-            </a:custGeom>
-            <a:solidFill>
-              <a:srgbClr val="FFCC99"/>
-            </a:solidFill>
-            <a:ln w="12700" cap="rnd">
-              <a:solidFill>
-                <a:schemeClr val="tx1"/>
-              </a:solidFill>
-              <a:round/>
-              <a:headEnd/>
-              <a:tailEnd/>
-            </a:ln>
-          </p:spPr>
-          <p:txBody>
-            <a:bodyPr/>
-            <a:lstStyle/>
-            <a:p>
-              <a:endParaRPr lang="en-US"/>
-            </a:p>
-          </p:txBody>
-        </p:sp>
-      </p:grpSp>
-      <p:grpSp>
-        <p:nvGrpSpPr>
-          <p:cNvPr id="176" name="Group 21">
-            <a:extLst>
-              <a:ext uri="{FF2B5EF4-FFF2-40B4-BE49-F238E27FC236}">
-                <a16:creationId xmlns:a16="http://schemas.microsoft.com/office/drawing/2014/main" id="{0F4DBFAF-99E4-4BFE-935C-7279674283C0}"/>
-              </a:ext>
-            </a:extLst>
-          </p:cNvPr>
-          <p:cNvGrpSpPr>
-            <a:grpSpLocks/>
-          </p:cNvGrpSpPr>
-          <p:nvPr/>
-        </p:nvGrpSpPr>
-        <p:grpSpPr bwMode="auto">
-          <a:xfrm>
-            <a:off x="2995756" y="4179887"/>
-            <a:ext cx="1628488" cy="1077913"/>
-            <a:chOff x="1342" y="3555"/>
-            <a:chExt cx="1359" cy="679"/>
-          </a:xfrm>
-        </p:grpSpPr>
-        <p:sp>
-          <p:nvSpPr>
-            <p:cNvPr id="178" name="Rectangle 22">
-              <a:extLst>
-                <a:ext uri="{FF2B5EF4-FFF2-40B4-BE49-F238E27FC236}">
-                  <a16:creationId xmlns:a16="http://schemas.microsoft.com/office/drawing/2014/main" id="{68963A8B-876A-4056-99D5-30D6C9493833}"/>
-                </a:ext>
-              </a:extLst>
-            </p:cNvPr>
-            <p:cNvSpPr>
-              <a:spLocks noChangeArrowheads="1"/>
-            </p:cNvSpPr>
-            <p:nvPr/>
-          </p:nvSpPr>
-          <p:spPr bwMode="auto">
-            <a:xfrm>
-              <a:off x="1342" y="3555"/>
-              <a:ext cx="1359" cy="679"/>
-            </a:xfrm>
-            <a:prstGeom prst="rect">
-              <a:avLst/>
-            </a:prstGeom>
-            <a:solidFill>
-              <a:schemeClr val="accent1">
-                <a:alpha val="50195"/>
-              </a:schemeClr>
-            </a:solidFill>
-            <a:ln w="9525">
-              <a:solidFill>
-                <a:schemeClr val="tx1"/>
-              </a:solidFill>
-              <a:miter lim="800000"/>
-              <a:headEnd/>
-              <a:tailEnd/>
-            </a:ln>
-          </p:spPr>
-          <p:txBody>
-            <a:bodyPr wrap="none" anchor="ctr"/>
-            <a:lstStyle>
-              <a:lvl1pPr>
-                <a:spcBef>
-                  <a:spcPct val="20000"/>
-                </a:spcBef>
-                <a:buChar char="•"/>
-                <a:defRPr sz="3400">
-                  <a:solidFill>
-                    <a:schemeClr val="tx1"/>
-                  </a:solidFill>
-                  <a:latin typeface="Arial" panose="020B0604020202020204" pitchFamily="34" charset="0"/>
-                  <a:ea typeface="ＭＳ Ｐゴシック" panose="020B0600070205080204" pitchFamily="34" charset="-128"/>
-                </a:defRPr>
-              </a:lvl1pPr>
-              <a:lvl2pPr marL="742950" indent="-285750">
-                <a:spcBef>
-                  <a:spcPct val="20000"/>
-                </a:spcBef>
-                <a:buChar char="–"/>
-                <a:defRPr sz="3000">
-                  <a:solidFill>
-                    <a:schemeClr val="tx1"/>
-                  </a:solidFill>
-                  <a:latin typeface="Arial" panose="020B0604020202020204" pitchFamily="34" charset="0"/>
-                  <a:ea typeface="ＭＳ Ｐゴシック" panose="020B0600070205080204" pitchFamily="34" charset="-128"/>
-                </a:defRPr>
-              </a:lvl2pPr>
-              <a:lvl3pPr marL="1143000" indent="-228600">
-                <a:spcBef>
-                  <a:spcPct val="20000"/>
-                </a:spcBef>
-                <a:buChar char="•"/>
-                <a:defRPr sz="2500">
-                  <a:solidFill>
-                    <a:schemeClr val="tx1"/>
-                  </a:solidFill>
-                  <a:latin typeface="Arial" panose="020B0604020202020204" pitchFamily="34" charset="0"/>
-                  <a:ea typeface="ＭＳ Ｐゴシック" panose="020B0600070205080204" pitchFamily="34" charset="-128"/>
-                </a:defRPr>
-              </a:lvl3pPr>
-              <a:lvl4pPr marL="1600200" indent="-228600">
-                <a:spcBef>
-                  <a:spcPct val="20000"/>
-                </a:spcBef>
-                <a:buChar char="–"/>
-                <a:defRPr sz="2100">
-                  <a:solidFill>
-                    <a:schemeClr val="tx1"/>
-                  </a:solidFill>
-                  <a:latin typeface="Arial" panose="020B0604020202020204" pitchFamily="34" charset="0"/>
-                  <a:ea typeface="ＭＳ Ｐゴシック" panose="020B0600070205080204" pitchFamily="34" charset="-128"/>
-                </a:defRPr>
-              </a:lvl4pPr>
-              <a:lvl5pPr marL="2057400" indent="-228600">
-                <a:spcBef>
-                  <a:spcPct val="20000"/>
-                </a:spcBef>
-                <a:buChar char="»"/>
-                <a:defRPr sz="2100">
-                  <a:solidFill>
-                    <a:schemeClr val="tx1"/>
-                  </a:solidFill>
-                  <a:latin typeface="Arial" panose="020B0604020202020204" pitchFamily="34" charset="0"/>
-                  <a:ea typeface="ＭＳ Ｐゴシック" panose="020B0600070205080204" pitchFamily="34" charset="-128"/>
-                </a:defRPr>
-              </a:lvl5pPr>
-              <a:lvl6pPr marL="2514600" indent="-228600" eaLnBrk="0" fontAlgn="base" hangingPunct="0">
-                <a:spcBef>
-                  <a:spcPct val="20000"/>
-                </a:spcBef>
-                <a:spcAft>
-                  <a:spcPct val="0"/>
-                </a:spcAft>
-                <a:buChar char="»"/>
-                <a:defRPr sz="2100">
-                  <a:solidFill>
-                    <a:schemeClr val="tx1"/>
-                  </a:solidFill>
-                  <a:latin typeface="Arial" panose="020B0604020202020204" pitchFamily="34" charset="0"/>
-                  <a:ea typeface="ＭＳ Ｐゴシック" panose="020B0600070205080204" pitchFamily="34" charset="-128"/>
-                </a:defRPr>
-              </a:lvl6pPr>
-              <a:lvl7pPr marL="2971800" indent="-228600" eaLnBrk="0" fontAlgn="base" hangingPunct="0">
-                <a:spcBef>
-                  <a:spcPct val="20000"/>
-                </a:spcBef>
-                <a:spcAft>
-                  <a:spcPct val="0"/>
-                </a:spcAft>
-                <a:buChar char="»"/>
-                <a:defRPr sz="2100">
-                  <a:solidFill>
-                    <a:schemeClr val="tx1"/>
-                  </a:solidFill>
-                  <a:latin typeface="Arial" panose="020B0604020202020204" pitchFamily="34" charset="0"/>
-                  <a:ea typeface="ＭＳ Ｐゴシック" panose="020B0600070205080204" pitchFamily="34" charset="-128"/>
-                </a:defRPr>
-              </a:lvl7pPr>
-              <a:lvl8pPr marL="3429000" indent="-228600" eaLnBrk="0" fontAlgn="base" hangingPunct="0">
-                <a:spcBef>
-                  <a:spcPct val="20000"/>
-                </a:spcBef>
-                <a:spcAft>
-                  <a:spcPct val="0"/>
-                </a:spcAft>
-                <a:buChar char="»"/>
-                <a:defRPr sz="2100">
-                  <a:solidFill>
-                    <a:schemeClr val="tx1"/>
-                  </a:solidFill>
-                  <a:latin typeface="Arial" panose="020B0604020202020204" pitchFamily="34" charset="0"/>
-                  <a:ea typeface="ＭＳ Ｐゴシック" panose="020B0600070205080204" pitchFamily="34" charset="-128"/>
-                </a:defRPr>
-              </a:lvl8pPr>
-              <a:lvl9pPr marL="3886200" indent="-228600" eaLnBrk="0" fontAlgn="base" hangingPunct="0">
-                <a:spcBef>
-                  <a:spcPct val="20000"/>
-                </a:spcBef>
-                <a:spcAft>
-                  <a:spcPct val="0"/>
-                </a:spcAft>
-                <a:buChar char="»"/>
-                <a:defRPr sz="2100">
-                  <a:solidFill>
-                    <a:schemeClr val="tx1"/>
-                  </a:solidFill>
-                  <a:latin typeface="Arial" panose="020B0604020202020204" pitchFamily="34" charset="0"/>
-                  <a:ea typeface="ＭＳ Ｐゴシック" panose="020B0600070205080204" pitchFamily="34" charset="-128"/>
-                </a:defRPr>
-              </a:lvl9pPr>
-            </a:lstStyle>
-            <a:p>
-              <a:pPr eaLnBrk="1" hangingPunct="1">
-                <a:spcBef>
-                  <a:spcPct val="0"/>
-                </a:spcBef>
-                <a:buFontTx/>
-                <a:buNone/>
-              </a:pPr>
-              <a:endParaRPr lang="en-US" altLang="en-US" sz="1800"/>
-            </a:p>
-          </p:txBody>
-        </p:sp>
-        <p:sp>
-          <p:nvSpPr>
-            <p:cNvPr id="180" name="Rectangle 23">
-              <a:extLst>
-                <a:ext uri="{FF2B5EF4-FFF2-40B4-BE49-F238E27FC236}">
-                  <a16:creationId xmlns:a16="http://schemas.microsoft.com/office/drawing/2014/main" id="{A0EAA92B-5C3B-4A1B-8498-F0D1B43C1D78}"/>
-                </a:ext>
-              </a:extLst>
-            </p:cNvPr>
-            <p:cNvSpPr>
-              <a:spLocks noChangeArrowheads="1"/>
-            </p:cNvSpPr>
-            <p:nvPr/>
-          </p:nvSpPr>
-          <p:spPr bwMode="auto">
-            <a:xfrm>
-              <a:off x="1903" y="3655"/>
-              <a:ext cx="237" cy="311"/>
-            </a:xfrm>
-            <a:prstGeom prst="rect">
-              <a:avLst/>
-            </a:prstGeom>
-            <a:solidFill>
-              <a:schemeClr val="bg1">
-                <a:alpha val="50195"/>
-              </a:schemeClr>
-            </a:solidFill>
-            <a:ln w="9525">
-              <a:solidFill>
-                <a:schemeClr val="tx1"/>
-              </a:solidFill>
-              <a:miter lim="800000"/>
-              <a:headEnd/>
-              <a:tailEnd/>
-            </a:ln>
-          </p:spPr>
-          <p:txBody>
-            <a:bodyPr wrap="none" anchor="ctr"/>
-            <a:lstStyle>
-              <a:lvl1pPr>
-                <a:spcBef>
-                  <a:spcPct val="20000"/>
-                </a:spcBef>
-                <a:buChar char="•"/>
-                <a:defRPr sz="3400">
-                  <a:solidFill>
-                    <a:schemeClr val="tx1"/>
-                  </a:solidFill>
-                  <a:latin typeface="Arial" panose="020B0604020202020204" pitchFamily="34" charset="0"/>
-                  <a:ea typeface="ＭＳ Ｐゴシック" panose="020B0600070205080204" pitchFamily="34" charset="-128"/>
-                </a:defRPr>
-              </a:lvl1pPr>
-              <a:lvl2pPr marL="742950" indent="-285750">
-                <a:spcBef>
-                  <a:spcPct val="20000"/>
-                </a:spcBef>
-                <a:buChar char="–"/>
-                <a:defRPr sz="3000">
-                  <a:solidFill>
-                    <a:schemeClr val="tx1"/>
-                  </a:solidFill>
-                  <a:latin typeface="Arial" panose="020B0604020202020204" pitchFamily="34" charset="0"/>
-                  <a:ea typeface="ＭＳ Ｐゴシック" panose="020B0600070205080204" pitchFamily="34" charset="-128"/>
-                </a:defRPr>
-              </a:lvl2pPr>
-              <a:lvl3pPr marL="1143000" indent="-228600">
-                <a:spcBef>
-                  <a:spcPct val="20000"/>
-                </a:spcBef>
-                <a:buChar char="•"/>
-                <a:defRPr sz="2500">
-                  <a:solidFill>
-                    <a:schemeClr val="tx1"/>
-                  </a:solidFill>
-                  <a:latin typeface="Arial" panose="020B0604020202020204" pitchFamily="34" charset="0"/>
-                  <a:ea typeface="ＭＳ Ｐゴシック" panose="020B0600070205080204" pitchFamily="34" charset="-128"/>
-                </a:defRPr>
-              </a:lvl3pPr>
-              <a:lvl4pPr marL="1600200" indent="-228600">
-                <a:spcBef>
-                  <a:spcPct val="20000"/>
-                </a:spcBef>
-                <a:buChar char="–"/>
-                <a:defRPr sz="2100">
-                  <a:solidFill>
-                    <a:schemeClr val="tx1"/>
-                  </a:solidFill>
-                  <a:latin typeface="Arial" panose="020B0604020202020204" pitchFamily="34" charset="0"/>
-                  <a:ea typeface="ＭＳ Ｐゴシック" panose="020B0600070205080204" pitchFamily="34" charset="-128"/>
-                </a:defRPr>
-              </a:lvl4pPr>
-              <a:lvl5pPr marL="2057400" indent="-228600">
-                <a:spcBef>
-                  <a:spcPct val="20000"/>
-                </a:spcBef>
-                <a:buChar char="»"/>
-                <a:defRPr sz="2100">
-                  <a:solidFill>
-                    <a:schemeClr val="tx1"/>
-                  </a:solidFill>
-                  <a:latin typeface="Arial" panose="020B0604020202020204" pitchFamily="34" charset="0"/>
-                  <a:ea typeface="ＭＳ Ｐゴシック" panose="020B0600070205080204" pitchFamily="34" charset="-128"/>
-                </a:defRPr>
-              </a:lvl5pPr>
-              <a:lvl6pPr marL="2514600" indent="-228600" eaLnBrk="0" fontAlgn="base" hangingPunct="0">
-                <a:spcBef>
-                  <a:spcPct val="20000"/>
-                </a:spcBef>
-                <a:spcAft>
-                  <a:spcPct val="0"/>
-                </a:spcAft>
-                <a:buChar char="»"/>
-                <a:defRPr sz="2100">
-                  <a:solidFill>
-                    <a:schemeClr val="tx1"/>
-                  </a:solidFill>
-                  <a:latin typeface="Arial" panose="020B0604020202020204" pitchFamily="34" charset="0"/>
-                  <a:ea typeface="ＭＳ Ｐゴシック" panose="020B0600070205080204" pitchFamily="34" charset="-128"/>
-                </a:defRPr>
-              </a:lvl6pPr>
-              <a:lvl7pPr marL="2971800" indent="-228600" eaLnBrk="0" fontAlgn="base" hangingPunct="0">
-                <a:spcBef>
-                  <a:spcPct val="20000"/>
-                </a:spcBef>
-                <a:spcAft>
-                  <a:spcPct val="0"/>
-                </a:spcAft>
-                <a:buChar char="»"/>
-                <a:defRPr sz="2100">
-                  <a:solidFill>
-                    <a:schemeClr val="tx1"/>
-                  </a:solidFill>
-                  <a:latin typeface="Arial" panose="020B0604020202020204" pitchFamily="34" charset="0"/>
-                  <a:ea typeface="ＭＳ Ｐゴシック" panose="020B0600070205080204" pitchFamily="34" charset="-128"/>
-                </a:defRPr>
-              </a:lvl7pPr>
-              <a:lvl8pPr marL="3429000" indent="-228600" eaLnBrk="0" fontAlgn="base" hangingPunct="0">
-                <a:spcBef>
-                  <a:spcPct val="20000"/>
-                </a:spcBef>
-                <a:spcAft>
-                  <a:spcPct val="0"/>
-                </a:spcAft>
-                <a:buChar char="»"/>
-                <a:defRPr sz="2100">
-                  <a:solidFill>
-                    <a:schemeClr val="tx1"/>
-                  </a:solidFill>
-                  <a:latin typeface="Arial" panose="020B0604020202020204" pitchFamily="34" charset="0"/>
-                  <a:ea typeface="ＭＳ Ｐゴシック" panose="020B0600070205080204" pitchFamily="34" charset="-128"/>
-                </a:defRPr>
-              </a:lvl8pPr>
-              <a:lvl9pPr marL="3886200" indent="-228600" eaLnBrk="0" fontAlgn="base" hangingPunct="0">
-                <a:spcBef>
-                  <a:spcPct val="20000"/>
-                </a:spcBef>
-                <a:spcAft>
-                  <a:spcPct val="0"/>
-                </a:spcAft>
-                <a:buChar char="»"/>
-                <a:defRPr sz="2100">
-                  <a:solidFill>
-                    <a:schemeClr val="tx1"/>
-                  </a:solidFill>
-                  <a:latin typeface="Arial" panose="020B0604020202020204" pitchFamily="34" charset="0"/>
-                  <a:ea typeface="ＭＳ Ｐゴシック" panose="020B0600070205080204" pitchFamily="34" charset="-128"/>
-                </a:defRPr>
-              </a:lvl9pPr>
-            </a:lstStyle>
-            <a:p>
-              <a:pPr eaLnBrk="1" hangingPunct="1">
-                <a:spcBef>
-                  <a:spcPct val="0"/>
-                </a:spcBef>
-                <a:buFontTx/>
-                <a:buNone/>
-              </a:pPr>
-              <a:endParaRPr lang="en-US" altLang="en-US" sz="1800"/>
-            </a:p>
-          </p:txBody>
-        </p:sp>
-      </p:grpSp>
-      <p:sp>
-        <p:nvSpPr>
-          <p:cNvPr id="181" name="Rectangle 23">
-            <a:extLst>
-              <a:ext uri="{FF2B5EF4-FFF2-40B4-BE49-F238E27FC236}">
-                <a16:creationId xmlns:a16="http://schemas.microsoft.com/office/drawing/2014/main" id="{6C4E3A0E-15E1-4FC8-B297-019F9C7F89C4}"/>
-              </a:ext>
-            </a:extLst>
-          </p:cNvPr>
-          <p:cNvSpPr>
-            <a:spLocks noChangeArrowheads="1"/>
-          </p:cNvSpPr>
-          <p:nvPr/>
-        </p:nvSpPr>
-        <p:spPr bwMode="auto">
-          <a:xfrm>
-            <a:off x="3669910" y="4133850"/>
-            <a:ext cx="283997" cy="527050"/>
-          </a:xfrm>
-          <a:prstGeom prst="rect">
-            <a:avLst/>
-          </a:prstGeom>
-          <a:solidFill>
-            <a:schemeClr val="accent4">
-              <a:alpha val="50195"/>
-            </a:schemeClr>
-          </a:solidFill>
-          <a:ln w="9525">
-            <a:solidFill>
-              <a:schemeClr val="tx1"/>
-            </a:solidFill>
-            <a:miter lim="800000"/>
-            <a:headEnd/>
-            <a:tailEnd/>
-          </a:ln>
-        </p:spPr>
-        <p:txBody>
-          <a:bodyPr wrap="none" anchor="ctr"/>
-          <a:lstStyle>
-            <a:lvl1pPr>
-              <a:spcBef>
-                <a:spcPct val="20000"/>
-              </a:spcBef>
-              <a:buChar char="•"/>
-              <a:defRPr sz="3400">
-                <a:solidFill>
-                  <a:schemeClr val="tx1"/>
-                </a:solidFill>
-                <a:latin typeface="Arial" panose="020B0604020202020204" pitchFamily="34" charset="0"/>
-                <a:ea typeface="ＭＳ Ｐゴシック" panose="020B0600070205080204" pitchFamily="34" charset="-128"/>
-              </a:defRPr>
-            </a:lvl1pPr>
-            <a:lvl2pPr marL="742950" indent="-285750">
-              <a:spcBef>
-                <a:spcPct val="20000"/>
-              </a:spcBef>
-              <a:buChar char="–"/>
-              <a:defRPr sz="3000">
-                <a:solidFill>
-                  <a:schemeClr val="tx1"/>
-                </a:solidFill>
-                <a:latin typeface="Arial" panose="020B0604020202020204" pitchFamily="34" charset="0"/>
-                <a:ea typeface="ＭＳ Ｐゴシック" panose="020B0600070205080204" pitchFamily="34" charset="-128"/>
-              </a:defRPr>
-            </a:lvl2pPr>
-            <a:lvl3pPr marL="1143000" indent="-228600">
-              <a:spcBef>
-                <a:spcPct val="20000"/>
-              </a:spcBef>
-              <a:buChar char="•"/>
-              <a:defRPr sz="2500">
-                <a:solidFill>
-                  <a:schemeClr val="tx1"/>
-                </a:solidFill>
-                <a:latin typeface="Arial" panose="020B0604020202020204" pitchFamily="34" charset="0"/>
-                <a:ea typeface="ＭＳ Ｐゴシック" panose="020B0600070205080204" pitchFamily="34" charset="-128"/>
-              </a:defRPr>
-            </a:lvl3pPr>
-            <a:lvl4pPr marL="1600200" indent="-228600">
-              <a:spcBef>
-                <a:spcPct val="20000"/>
-              </a:spcBef>
-              <a:buChar char="–"/>
-              <a:defRPr sz="2100">
-                <a:solidFill>
-                  <a:schemeClr val="tx1"/>
-                </a:solidFill>
-                <a:latin typeface="Arial" panose="020B0604020202020204" pitchFamily="34" charset="0"/>
-                <a:ea typeface="ＭＳ Ｐゴシック" panose="020B0600070205080204" pitchFamily="34" charset="-128"/>
-              </a:defRPr>
-            </a:lvl4pPr>
-            <a:lvl5pPr marL="2057400" indent="-228600">
-              <a:spcBef>
-                <a:spcPct val="20000"/>
-              </a:spcBef>
-              <a:buChar char="»"/>
-              <a:defRPr sz="2100">
-                <a:solidFill>
-                  <a:schemeClr val="tx1"/>
-                </a:solidFill>
-                <a:latin typeface="Arial" panose="020B0604020202020204" pitchFamily="34" charset="0"/>
-                <a:ea typeface="ＭＳ Ｐゴシック" panose="020B0600070205080204" pitchFamily="34" charset="-128"/>
-              </a:defRPr>
-            </a:lvl5pPr>
-            <a:lvl6pPr marL="2514600" indent="-228600" eaLnBrk="0" fontAlgn="base" hangingPunct="0">
-              <a:spcBef>
-                <a:spcPct val="20000"/>
-              </a:spcBef>
-              <a:spcAft>
-                <a:spcPct val="0"/>
-              </a:spcAft>
-              <a:buChar char="»"/>
-              <a:defRPr sz="2100">
-                <a:solidFill>
-                  <a:schemeClr val="tx1"/>
-                </a:solidFill>
-                <a:latin typeface="Arial" panose="020B0604020202020204" pitchFamily="34" charset="0"/>
-                <a:ea typeface="ＭＳ Ｐゴシック" panose="020B0600070205080204" pitchFamily="34" charset="-128"/>
-              </a:defRPr>
-            </a:lvl6pPr>
-            <a:lvl7pPr marL="2971800" indent="-228600" eaLnBrk="0" fontAlgn="base" hangingPunct="0">
-              <a:spcBef>
-                <a:spcPct val="20000"/>
-              </a:spcBef>
-              <a:spcAft>
-                <a:spcPct val="0"/>
-              </a:spcAft>
-              <a:buChar char="»"/>
-              <a:defRPr sz="2100">
-                <a:solidFill>
-                  <a:schemeClr val="tx1"/>
-                </a:solidFill>
-                <a:latin typeface="Arial" panose="020B0604020202020204" pitchFamily="34" charset="0"/>
-                <a:ea typeface="ＭＳ Ｐゴシック" panose="020B0600070205080204" pitchFamily="34" charset="-128"/>
-              </a:defRPr>
-            </a:lvl7pPr>
-            <a:lvl8pPr marL="3429000" indent="-228600" eaLnBrk="0" fontAlgn="base" hangingPunct="0">
-              <a:spcBef>
-                <a:spcPct val="20000"/>
-              </a:spcBef>
-              <a:spcAft>
-                <a:spcPct val="0"/>
-              </a:spcAft>
-              <a:buChar char="»"/>
-              <a:defRPr sz="2100">
-                <a:solidFill>
-                  <a:schemeClr val="tx1"/>
-                </a:solidFill>
-                <a:latin typeface="Arial" panose="020B0604020202020204" pitchFamily="34" charset="0"/>
-                <a:ea typeface="ＭＳ Ｐゴシック" panose="020B0600070205080204" pitchFamily="34" charset="-128"/>
-              </a:defRPr>
-            </a:lvl8pPr>
-            <a:lvl9pPr marL="3886200" indent="-228600" eaLnBrk="0" fontAlgn="base" hangingPunct="0">
-              <a:spcBef>
-                <a:spcPct val="20000"/>
-              </a:spcBef>
-              <a:spcAft>
-                <a:spcPct val="0"/>
-              </a:spcAft>
-              <a:buChar char="»"/>
-              <a:defRPr sz="2100">
-                <a:solidFill>
-                  <a:schemeClr val="tx1"/>
-                </a:solidFill>
-                <a:latin typeface="Arial" panose="020B0604020202020204" pitchFamily="34" charset="0"/>
-                <a:ea typeface="ＭＳ Ｐゴシック" panose="020B0600070205080204" pitchFamily="34" charset="-128"/>
-              </a:defRPr>
-            </a:lvl9pPr>
-          </a:lstStyle>
-          <a:p>
-            <a:pPr eaLnBrk="1" hangingPunct="1">
-              <a:spcBef>
-                <a:spcPct val="0"/>
-              </a:spcBef>
-              <a:buFontTx/>
-              <a:buNone/>
-            </a:pPr>
-            <a:endParaRPr lang="en-US" altLang="en-US" sz="1800"/>
-          </a:p>
-        </p:txBody>
-      </p:sp>
-      <p:cxnSp>
-        <p:nvCxnSpPr>
-          <p:cNvPr id="182" name="Straight Arrow Connector 181">
-            <a:extLst>
-              <a:ext uri="{FF2B5EF4-FFF2-40B4-BE49-F238E27FC236}">
-                <a16:creationId xmlns:a16="http://schemas.microsoft.com/office/drawing/2014/main" id="{61087E2C-C237-40FB-8723-49F68BC66DC3}"/>
-              </a:ext>
-            </a:extLst>
-          </p:cNvPr>
-          <p:cNvCxnSpPr/>
-          <p:nvPr/>
-        </p:nvCxnSpPr>
-        <p:spPr>
-          <a:xfrm flipV="1">
-            <a:off x="3810000" y="3870324"/>
-            <a:ext cx="0" cy="263526"/>
-          </a:xfrm>
-          <a:prstGeom prst="straightConnector1">
-            <a:avLst/>
-          </a:prstGeom>
-          <a:ln w="57150">
-            <a:solidFill>
-              <a:srgbClr val="C00000"/>
-            </a:solidFill>
-            <a:tailEnd type="triangle"/>
-          </a:ln>
-        </p:spPr>
-        <p:style>
-          <a:lnRef idx="2">
-            <a:schemeClr val="accent1"/>
-          </a:lnRef>
-          <a:fillRef idx="0">
-            <a:schemeClr val="accent1"/>
-          </a:fillRef>
-          <a:effectRef idx="1">
-            <a:schemeClr val="accent1"/>
-          </a:effectRef>
-          <a:fontRef idx="minor">
-            <a:schemeClr val="tx1"/>
-          </a:fontRef>
-        </p:style>
-      </p:cxnSp>
-      <p:sp>
-        <p:nvSpPr>
-          <p:cNvPr id="185" name="Freeform 55">
-            <a:extLst>
-              <a:ext uri="{FF2B5EF4-FFF2-40B4-BE49-F238E27FC236}">
-                <a16:creationId xmlns:a16="http://schemas.microsoft.com/office/drawing/2014/main" id="{B25ACCF1-055F-41FA-8FBB-6460FEE81385}"/>
-              </a:ext>
-            </a:extLst>
-          </p:cNvPr>
-          <p:cNvSpPr>
-            <a:spLocks/>
-          </p:cNvSpPr>
-          <p:nvPr/>
-        </p:nvSpPr>
-        <p:spPr bwMode="auto">
-          <a:xfrm flipH="1">
-            <a:off x="2707603" y="4179886"/>
-            <a:ext cx="287338" cy="1839913"/>
-          </a:xfrm>
-          <a:custGeom>
-            <a:avLst/>
-            <a:gdLst>
-              <a:gd name="T0" fmla="*/ 0 w 240"/>
-              <a:gd name="T1" fmla="*/ 2147483646 h 840"/>
-              <a:gd name="T2" fmla="*/ 2147483646 w 240"/>
-              <a:gd name="T3" fmla="*/ 2147483646 h 840"/>
-              <a:gd name="T4" fmla="*/ 2147483646 w 240"/>
-              <a:gd name="T5" fmla="*/ 2147483646 h 840"/>
-              <a:gd name="T6" fmla="*/ 0 w 240"/>
-              <a:gd name="T7" fmla="*/ 0 h 840"/>
-              <a:gd name="T8" fmla="*/ 0 w 240"/>
-              <a:gd name="T9" fmla="*/ 2147483646 h 840"/>
-              <a:gd name="T10" fmla="*/ 0 60000 65536"/>
-              <a:gd name="T11" fmla="*/ 0 60000 65536"/>
-              <a:gd name="T12" fmla="*/ 0 60000 65536"/>
-              <a:gd name="T13" fmla="*/ 0 60000 65536"/>
-              <a:gd name="T14" fmla="*/ 0 60000 65536"/>
-              <a:gd name="T15" fmla="*/ 0 w 240"/>
-              <a:gd name="T16" fmla="*/ 0 h 840"/>
-              <a:gd name="T17" fmla="*/ 240 w 240"/>
-              <a:gd name="T18" fmla="*/ 840 h 840"/>
-            </a:gdLst>
-            <a:ahLst/>
-            <a:cxnLst>
-              <a:cxn ang="T10">
-                <a:pos x="T0" y="T1"/>
-              </a:cxn>
-              <a:cxn ang="T11">
-                <a:pos x="T2" y="T3"/>
-              </a:cxn>
-              <a:cxn ang="T12">
-                <a:pos x="T4" y="T5"/>
-              </a:cxn>
-              <a:cxn ang="T13">
-                <a:pos x="T6" y="T7"/>
-              </a:cxn>
-              <a:cxn ang="T14">
-                <a:pos x="T8" y="T9"/>
-              </a:cxn>
-            </a:cxnLst>
-            <a:rect l="T15" t="T16" r="T17" b="T18"/>
-            <a:pathLst>
-              <a:path w="240" h="840">
-                <a:moveTo>
-                  <a:pt x="0" y="480"/>
-                </a:moveTo>
-                <a:lnTo>
-                  <a:pt x="240" y="840"/>
-                </a:lnTo>
-                <a:lnTo>
-                  <a:pt x="240" y="120"/>
-                </a:lnTo>
-                <a:lnTo>
-                  <a:pt x="0" y="0"/>
-                </a:lnTo>
-                <a:lnTo>
-                  <a:pt x="0" y="480"/>
-                </a:lnTo>
-                <a:close/>
-              </a:path>
-            </a:pathLst>
-          </a:custGeom>
-          <a:solidFill>
-            <a:schemeClr val="accent1">
-              <a:alpha val="50195"/>
-            </a:schemeClr>
-          </a:solidFill>
-          <a:ln w="9525">
-            <a:solidFill>
-              <a:schemeClr val="tx1"/>
-            </a:solidFill>
-            <a:round/>
-            <a:headEnd/>
-            <a:tailEnd/>
-          </a:ln>
-        </p:spPr>
-        <p:txBody>
-          <a:bodyPr wrap="none" anchor="ctr"/>
-          <a:lstStyle/>
-          <a:p>
-            <a:endParaRPr lang="en-US"/>
-          </a:p>
-        </p:txBody>
-      </p:sp>
     </p:spTree>
   </p:cSld>
   <p:clrMapOvr>
